--- a/source/figures/thesis_figures.pptx
+++ b/source/figures/thesis_figures.pptx
@@ -7,6 +7,7 @@
   <p:sldIdLst>
     <p:sldId id="256" r:id="rId2"/>
     <p:sldId id="257" r:id="rId3"/>
+    <p:sldId id="258" r:id="rId4"/>
   </p:sldIdLst>
   <p:sldSz cx="12192000" cy="6858000"/>
   <p:notesSz cx="6858000" cy="9144000"/>
@@ -3474,8 +3475,8 @@
         </p:nvCxnSpPr>
         <p:spPr>
           <a:xfrm flipV="1">
-            <a:off x="3006182" y="4702538"/>
-            <a:ext cx="1425141" cy="283356"/>
+            <a:off x="2957738" y="4673146"/>
+            <a:ext cx="1519719" cy="283356"/>
           </a:xfrm>
           <a:prstGeom prst="straightConnector1">
             <a:avLst/>
@@ -3869,8 +3870,8 @@
         </p:nvSpPr>
         <p:spPr>
           <a:xfrm>
-            <a:off x="772557" y="4755061"/>
-            <a:ext cx="2233625" cy="461665"/>
+            <a:off x="818691" y="4725669"/>
+            <a:ext cx="2139047" cy="461665"/>
           </a:xfrm>
           <a:prstGeom prst="rect">
             <a:avLst/>
@@ -3885,7 +3886,7 @@
           <a:p>
             <a:r>
               <a:rPr lang="en-US" sz="2400" b="1" smtClean="0"/>
-              <a:t>Over-ride speed</a:t>
+              <a:t>Override speed</a:t>
             </a:r>
             <a:endParaRPr lang="en-US" sz="2400" b="1"/>
           </a:p>
@@ -4039,6 +4040,504 @@
     <p:extLst>
       <p:ext uri="{BB962C8B-B14F-4D97-AF65-F5344CB8AC3E}">
         <p14:creationId xmlns:p14="http://schemas.microsoft.com/office/powerpoint/2010/main" val="986133928"/>
+      </p:ext>
+    </p:extLst>
+  </p:cSld>
+  <p:clrMapOvr>
+    <a:masterClrMapping/>
+  </p:clrMapOvr>
+</p:sld>
+</file>
+
+<file path=ppt/slides/slide3.xml><?xml version="1.0" encoding="utf-8"?>
+<p:sld xmlns:a="http://schemas.openxmlformats.org/drawingml/2006/main" xmlns:r="http://schemas.openxmlformats.org/officeDocument/2006/relationships" xmlns:p="http://schemas.openxmlformats.org/presentationml/2006/main">
+  <p:cSld>
+    <p:spTree>
+      <p:nvGrpSpPr>
+        <p:cNvPr id="1" name=""/>
+        <p:cNvGrpSpPr/>
+        <p:nvPr/>
+      </p:nvGrpSpPr>
+      <p:grpSpPr>
+        <a:xfrm>
+          <a:off x="0" y="0"/>
+          <a:ext cx="0" cy="0"/>
+          <a:chOff x="0" y="0"/>
+          <a:chExt cx="0" cy="0"/>
+        </a:xfrm>
+      </p:grpSpPr>
+      <p:sp>
+        <p:nvSpPr>
+          <p:cNvPr id="4" name="Rectangle 3"/>
+          <p:cNvSpPr/>
+          <p:nvPr/>
+        </p:nvSpPr>
+        <p:spPr>
+          <a:xfrm rot="5400000">
+            <a:off x="10584005" y="2788949"/>
+            <a:ext cx="897924" cy="1371600"/>
+          </a:xfrm>
+          <a:prstGeom prst="rect">
+            <a:avLst/>
+          </a:prstGeom>
+          <a:noFill/>
+          <a:ln w="15875" cap="rnd" cmpd="sng" algn="ctr">
+            <a:solidFill>
+              <a:srgbClr val="0070C0"/>
+            </a:solidFill>
+            <a:prstDash val="solid"/>
+          </a:ln>
+          <a:effectLst/>
+        </p:spPr>
+        <p:txBody>
+          <a:bodyPr rtlCol="0" anchor="ctr"/>
+          <a:lstStyle/>
+          <a:p>
+            <a:pPr marL="0" marR="0" lvl="0" indent="0" algn="ctr" defTabSz="914400" eaLnBrk="1" fontAlgn="auto" latinLnBrk="0" hangingPunct="1">
+              <a:lnSpc>
+                <a:spcPct val="100000"/>
+              </a:lnSpc>
+              <a:spcBef>
+                <a:spcPts val="0"/>
+              </a:spcBef>
+              <a:spcAft>
+                <a:spcPts val="0"/>
+              </a:spcAft>
+              <a:buClrTx/>
+              <a:buSzTx/>
+              <a:buFontTx/>
+              <a:buNone/>
+              <a:tabLst/>
+              <a:defRPr/>
+            </a:pPr>
+            <a:endParaRPr kumimoji="0" lang="en-US" sz="1800" b="0" i="0" u="none" strike="noStrike" kern="0" cap="none" spc="0" normalizeH="0" baseline="0" noProof="0" dirty="0">
+              <a:ln>
+                <a:solidFill>
+                  <a:srgbClr val="0070C0"/>
+                </a:solidFill>
+              </a:ln>
+              <a:solidFill>
+                <a:prstClr val="white"/>
+              </a:solidFill>
+              <a:effectLst/>
+              <a:uLnTx/>
+              <a:uFillTx/>
+              <a:latin typeface="Century Gothic" panose="020B0502020202020204"/>
+              <a:ea typeface="+mn-ea"/>
+              <a:cs typeface="+mn-cs"/>
+            </a:endParaRPr>
+          </a:p>
+        </p:txBody>
+      </p:sp>
+      <p:sp>
+        <p:nvSpPr>
+          <p:cNvPr id="5" name="Rectangle 4"/>
+          <p:cNvSpPr/>
+          <p:nvPr/>
+        </p:nvSpPr>
+        <p:spPr>
+          <a:xfrm rot="5400000">
+            <a:off x="10574769" y="4183111"/>
+            <a:ext cx="897924" cy="1371600"/>
+          </a:xfrm>
+          <a:prstGeom prst="rect">
+            <a:avLst/>
+          </a:prstGeom>
+          <a:noFill/>
+          <a:ln w="15875" cap="rnd" cmpd="sng" algn="ctr">
+            <a:solidFill>
+              <a:srgbClr val="0070C0"/>
+            </a:solidFill>
+            <a:prstDash val="solid"/>
+          </a:ln>
+          <a:effectLst/>
+        </p:spPr>
+        <p:txBody>
+          <a:bodyPr rtlCol="0" anchor="ctr"/>
+          <a:lstStyle/>
+          <a:p>
+            <a:pPr marL="0" marR="0" lvl="0" indent="0" algn="ctr" defTabSz="914400" eaLnBrk="1" fontAlgn="auto" latinLnBrk="0" hangingPunct="1">
+              <a:lnSpc>
+                <a:spcPct val="100000"/>
+              </a:lnSpc>
+              <a:spcBef>
+                <a:spcPts val="0"/>
+              </a:spcBef>
+              <a:spcAft>
+                <a:spcPts val="0"/>
+              </a:spcAft>
+              <a:buClrTx/>
+              <a:buSzTx/>
+              <a:buFontTx/>
+              <a:buNone/>
+              <a:tabLst/>
+              <a:defRPr/>
+            </a:pPr>
+            <a:endParaRPr kumimoji="0" lang="en-US" sz="1800" b="0" i="0" u="none" strike="noStrike" kern="0" cap="none" spc="0" normalizeH="0" baseline="0" noProof="0" dirty="0">
+              <a:ln>
+                <a:solidFill>
+                  <a:srgbClr val="0070C0"/>
+                </a:solidFill>
+              </a:ln>
+              <a:solidFill>
+                <a:prstClr val="white"/>
+              </a:solidFill>
+              <a:effectLst/>
+              <a:uLnTx/>
+              <a:uFillTx/>
+              <a:latin typeface="Century Gothic" panose="020B0502020202020204"/>
+              <a:ea typeface="+mn-ea"/>
+              <a:cs typeface="+mn-cs"/>
+            </a:endParaRPr>
+          </a:p>
+        </p:txBody>
+      </p:sp>
+      <p:sp>
+        <p:nvSpPr>
+          <p:cNvPr id="6" name="Rectangle 5"/>
+          <p:cNvSpPr/>
+          <p:nvPr/>
+        </p:nvSpPr>
+        <p:spPr>
+          <a:xfrm rot="5400000">
+            <a:off x="8961209" y="3431745"/>
+            <a:ext cx="1145060" cy="1445056"/>
+          </a:xfrm>
+          <a:prstGeom prst="rect">
+            <a:avLst/>
+          </a:prstGeom>
+          <a:solidFill>
+            <a:srgbClr val="A53010"/>
+          </a:solidFill>
+          <a:ln w="15875" cap="rnd" cmpd="sng" algn="ctr">
+            <a:solidFill>
+              <a:srgbClr val="A53010">
+                <a:shade val="50000"/>
+              </a:srgbClr>
+            </a:solidFill>
+            <a:prstDash val="solid"/>
+          </a:ln>
+          <a:effectLst/>
+        </p:spPr>
+        <p:txBody>
+          <a:bodyPr rtlCol="0" anchor="ctr"/>
+          <a:lstStyle/>
+          <a:p>
+            <a:pPr marL="0" marR="0" lvl="0" indent="0" algn="ctr" defTabSz="914400" eaLnBrk="1" fontAlgn="auto" latinLnBrk="0" hangingPunct="1">
+              <a:lnSpc>
+                <a:spcPct val="100000"/>
+              </a:lnSpc>
+              <a:spcBef>
+                <a:spcPts val="0"/>
+              </a:spcBef>
+              <a:spcAft>
+                <a:spcPts val="0"/>
+              </a:spcAft>
+              <a:buClrTx/>
+              <a:buSzTx/>
+              <a:buFontTx/>
+              <a:buNone/>
+              <a:tabLst/>
+              <a:defRPr/>
+            </a:pPr>
+            <a:r>
+              <a:rPr kumimoji="0" lang="en-US" sz="1800" b="0" i="0" u="none" strike="noStrike" kern="0" cap="none" spc="0" normalizeH="0" baseline="0" noProof="0" dirty="0" smtClean="0">
+                <a:ln>
+                  <a:noFill/>
+                </a:ln>
+                <a:solidFill>
+                  <a:prstClr val="white"/>
+                </a:solidFill>
+                <a:effectLst/>
+                <a:uLnTx/>
+                <a:uFillTx/>
+                <a:latin typeface="Century Gothic" panose="020B0502020202020204"/>
+                <a:ea typeface="+mn-ea"/>
+                <a:cs typeface="+mn-cs"/>
+              </a:rPr>
+              <a:t>Robot</a:t>
+            </a:r>
+            <a:endParaRPr kumimoji="0" lang="en-US" sz="1800" b="0" i="0" u="none" strike="noStrike" kern="0" cap="none" spc="0" normalizeH="0" baseline="0" noProof="0" dirty="0">
+              <a:ln>
+                <a:noFill/>
+              </a:ln>
+              <a:solidFill>
+                <a:prstClr val="white"/>
+              </a:solidFill>
+              <a:effectLst/>
+              <a:uLnTx/>
+              <a:uFillTx/>
+              <a:latin typeface="Century Gothic" panose="020B0502020202020204"/>
+              <a:ea typeface="+mn-ea"/>
+              <a:cs typeface="+mn-cs"/>
+            </a:endParaRPr>
+          </a:p>
+        </p:txBody>
+      </p:sp>
+      <p:sp>
+        <p:nvSpPr>
+          <p:cNvPr id="7" name="TextBox 6"/>
+          <p:cNvSpPr txBox="1"/>
+          <p:nvPr/>
+        </p:nvSpPr>
+        <p:spPr>
+          <a:xfrm>
+            <a:off x="10523043" y="3182361"/>
+            <a:ext cx="1018227" cy="584775"/>
+          </a:xfrm>
+          <a:prstGeom prst="rect">
+            <a:avLst/>
+          </a:prstGeom>
+          <a:noFill/>
+        </p:spPr>
+        <p:txBody>
+          <a:bodyPr wrap="none" rtlCol="0">
+            <a:spAutoFit/>
+          </a:bodyPr>
+          <a:lstStyle/>
+          <a:p>
+            <a:pPr algn="ctr"/>
+            <a:r>
+              <a:rPr lang="en-US" sz="1600">
+                <a:solidFill>
+                  <a:prstClr val="black"/>
+                </a:solidFill>
+                <a:latin typeface="Century Gothic" panose="020B0502020202020204"/>
+              </a:rPr>
+              <a:t>Left </a:t>
+            </a:r>
+          </a:p>
+          <a:p>
+            <a:pPr algn="ctr"/>
+            <a:r>
+              <a:rPr lang="en-US" sz="1600">
+                <a:solidFill>
+                  <a:prstClr val="black"/>
+                </a:solidFill>
+                <a:latin typeface="Century Gothic" panose="020B0502020202020204"/>
+              </a:rPr>
+              <a:t>Camera</a:t>
+            </a:r>
+          </a:p>
+        </p:txBody>
+      </p:sp>
+      <p:sp>
+        <p:nvSpPr>
+          <p:cNvPr id="9" name="TextBox 8"/>
+          <p:cNvSpPr txBox="1"/>
+          <p:nvPr/>
+        </p:nvSpPr>
+        <p:spPr>
+          <a:xfrm>
+            <a:off x="10523044" y="4576523"/>
+            <a:ext cx="1018227" cy="584775"/>
+          </a:xfrm>
+          <a:prstGeom prst="rect">
+            <a:avLst/>
+          </a:prstGeom>
+          <a:noFill/>
+        </p:spPr>
+        <p:txBody>
+          <a:bodyPr wrap="none" rtlCol="0">
+            <a:spAutoFit/>
+          </a:bodyPr>
+          <a:lstStyle/>
+          <a:p>
+            <a:pPr algn="ctr"/>
+            <a:r>
+              <a:rPr lang="en-US" sz="1600">
+                <a:solidFill>
+                  <a:prstClr val="black"/>
+                </a:solidFill>
+                <a:latin typeface="Century Gothic" panose="020B0502020202020204"/>
+              </a:rPr>
+              <a:t>Right</a:t>
+            </a:r>
+          </a:p>
+          <a:p>
+            <a:pPr algn="ctr"/>
+            <a:r>
+              <a:rPr lang="en-US" sz="1600">
+                <a:solidFill>
+                  <a:prstClr val="black"/>
+                </a:solidFill>
+                <a:latin typeface="Century Gothic" panose="020B0502020202020204"/>
+              </a:rPr>
+              <a:t>Camera</a:t>
+            </a:r>
+            <a:endParaRPr lang="en-US" sz="1600" dirty="0">
+              <a:solidFill>
+                <a:prstClr val="black"/>
+              </a:solidFill>
+              <a:latin typeface="Century Gothic" panose="020B0502020202020204"/>
+            </a:endParaRPr>
+          </a:p>
+        </p:txBody>
+      </p:sp>
+      <p:sp>
+        <p:nvSpPr>
+          <p:cNvPr id="10" name="Oval 9"/>
+          <p:cNvSpPr/>
+          <p:nvPr/>
+        </p:nvSpPr>
+        <p:spPr>
+          <a:xfrm>
+            <a:off x="8811211" y="4726803"/>
+            <a:ext cx="554462" cy="106995"/>
+          </a:xfrm>
+          <a:prstGeom prst="ellipse">
+            <a:avLst/>
+          </a:prstGeom>
+        </p:spPr>
+        <p:style>
+          <a:lnRef idx="2">
+            <a:schemeClr val="dk1">
+              <a:shade val="50000"/>
+            </a:schemeClr>
+          </a:lnRef>
+          <a:fillRef idx="1">
+            <a:schemeClr val="dk1"/>
+          </a:fillRef>
+          <a:effectRef idx="0">
+            <a:schemeClr val="dk1"/>
+          </a:effectRef>
+          <a:fontRef idx="minor">
+            <a:schemeClr val="lt1"/>
+          </a:fontRef>
+        </p:style>
+        <p:txBody>
+          <a:bodyPr rtlCol="0" anchor="ctr"/>
+          <a:lstStyle/>
+          <a:p>
+            <a:pPr algn="ctr"/>
+            <a:endParaRPr lang="en-US"/>
+          </a:p>
+        </p:txBody>
+      </p:sp>
+      <p:sp>
+        <p:nvSpPr>
+          <p:cNvPr id="11" name="Oval 10"/>
+          <p:cNvSpPr/>
+          <p:nvPr/>
+        </p:nvSpPr>
+        <p:spPr>
+          <a:xfrm>
+            <a:off x="9690913" y="4726802"/>
+            <a:ext cx="554462" cy="106995"/>
+          </a:xfrm>
+          <a:prstGeom prst="ellipse">
+            <a:avLst/>
+          </a:prstGeom>
+        </p:spPr>
+        <p:style>
+          <a:lnRef idx="2">
+            <a:schemeClr val="dk1">
+              <a:shade val="50000"/>
+            </a:schemeClr>
+          </a:lnRef>
+          <a:fillRef idx="1">
+            <a:schemeClr val="dk1"/>
+          </a:fillRef>
+          <a:effectRef idx="0">
+            <a:schemeClr val="dk1"/>
+          </a:effectRef>
+          <a:fontRef idx="minor">
+            <a:schemeClr val="lt1"/>
+          </a:fontRef>
+        </p:style>
+        <p:txBody>
+          <a:bodyPr rtlCol="0" anchor="ctr"/>
+          <a:lstStyle/>
+          <a:p>
+            <a:pPr algn="ctr"/>
+            <a:endParaRPr lang="en-US"/>
+          </a:p>
+        </p:txBody>
+      </p:sp>
+      <p:sp>
+        <p:nvSpPr>
+          <p:cNvPr id="12" name="Oval 11"/>
+          <p:cNvSpPr/>
+          <p:nvPr/>
+        </p:nvSpPr>
+        <p:spPr>
+          <a:xfrm>
+            <a:off x="8811211" y="3474748"/>
+            <a:ext cx="554462" cy="106995"/>
+          </a:xfrm>
+          <a:prstGeom prst="ellipse">
+            <a:avLst/>
+          </a:prstGeom>
+        </p:spPr>
+        <p:style>
+          <a:lnRef idx="2">
+            <a:schemeClr val="dk1">
+              <a:shade val="50000"/>
+            </a:schemeClr>
+          </a:lnRef>
+          <a:fillRef idx="1">
+            <a:schemeClr val="dk1"/>
+          </a:fillRef>
+          <a:effectRef idx="0">
+            <a:schemeClr val="dk1"/>
+          </a:effectRef>
+          <a:fontRef idx="minor">
+            <a:schemeClr val="lt1"/>
+          </a:fontRef>
+        </p:style>
+        <p:txBody>
+          <a:bodyPr rtlCol="0" anchor="ctr"/>
+          <a:lstStyle/>
+          <a:p>
+            <a:pPr algn="ctr"/>
+            <a:endParaRPr lang="en-US"/>
+          </a:p>
+        </p:txBody>
+      </p:sp>
+      <p:sp>
+        <p:nvSpPr>
+          <p:cNvPr id="13" name="Oval 12"/>
+          <p:cNvSpPr/>
+          <p:nvPr/>
+        </p:nvSpPr>
+        <p:spPr>
+          <a:xfrm>
+            <a:off x="9704767" y="3474748"/>
+            <a:ext cx="554462" cy="106995"/>
+          </a:xfrm>
+          <a:prstGeom prst="ellipse">
+            <a:avLst/>
+          </a:prstGeom>
+        </p:spPr>
+        <p:style>
+          <a:lnRef idx="2">
+            <a:schemeClr val="dk1">
+              <a:shade val="50000"/>
+            </a:schemeClr>
+          </a:lnRef>
+          <a:fillRef idx="1">
+            <a:schemeClr val="dk1"/>
+          </a:fillRef>
+          <a:effectRef idx="0">
+            <a:schemeClr val="dk1"/>
+          </a:effectRef>
+          <a:fontRef idx="minor">
+            <a:schemeClr val="lt1"/>
+          </a:fontRef>
+        </p:style>
+        <p:txBody>
+          <a:bodyPr rtlCol="0" anchor="ctr"/>
+          <a:lstStyle/>
+          <a:p>
+            <a:pPr algn="ctr"/>
+            <a:endParaRPr lang="en-US"/>
+          </a:p>
+        </p:txBody>
+      </p:sp>
+    </p:spTree>
+    <p:extLst>
+      <p:ext uri="{BB962C8B-B14F-4D97-AF65-F5344CB8AC3E}">
+        <p14:creationId xmlns:p14="http://schemas.microsoft.com/office/powerpoint/2010/main" val="3246801333"/>
       </p:ext>
     </p:extLst>
   </p:cSld>

--- a/source/figures/thesis_figures.pptx
+++ b/source/figures/thesis_figures.pptx
@@ -14,6 +14,7 @@
     <p:sldId id="262" r:id="rId8"/>
     <p:sldId id="264" r:id="rId9"/>
     <p:sldId id="263" r:id="rId10"/>
+    <p:sldId id="265" r:id="rId11"/>
   </p:sldIdLst>
   <p:sldSz cx="12192000" cy="6858000"/>
   <p:notesSz cx="6858000" cy="9144000"/>
@@ -251,7 +252,7 @@
           <a:p>
             <a:fld id="{3E4633B9-82B4-48D3-BFBD-B04B82FA1CC5}" type="datetimeFigureOut">
               <a:rPr lang="en-US" smtClean="0"/>
-              <a:t>10/12/2016</a:t>
+              <a:t>10/21/2016</a:t>
             </a:fld>
             <a:endParaRPr lang="en-US"/>
           </a:p>
@@ -421,7 +422,7 @@
           <a:p>
             <a:fld id="{3E4633B9-82B4-48D3-BFBD-B04B82FA1CC5}" type="datetimeFigureOut">
               <a:rPr lang="en-US" smtClean="0"/>
-              <a:t>10/12/2016</a:t>
+              <a:t>10/21/2016</a:t>
             </a:fld>
             <a:endParaRPr lang="en-US"/>
           </a:p>
@@ -601,7 +602,7 @@
           <a:p>
             <a:fld id="{3E4633B9-82B4-48D3-BFBD-B04B82FA1CC5}" type="datetimeFigureOut">
               <a:rPr lang="en-US" smtClean="0"/>
-              <a:t>10/12/2016</a:t>
+              <a:t>10/21/2016</a:t>
             </a:fld>
             <a:endParaRPr lang="en-US"/>
           </a:p>
@@ -771,7 +772,7 @@
           <a:p>
             <a:fld id="{3E4633B9-82B4-48D3-BFBD-B04B82FA1CC5}" type="datetimeFigureOut">
               <a:rPr lang="en-US" smtClean="0"/>
-              <a:t>10/12/2016</a:t>
+              <a:t>10/21/2016</a:t>
             </a:fld>
             <a:endParaRPr lang="en-US"/>
           </a:p>
@@ -1017,7 +1018,7 @@
           <a:p>
             <a:fld id="{3E4633B9-82B4-48D3-BFBD-B04B82FA1CC5}" type="datetimeFigureOut">
               <a:rPr lang="en-US" smtClean="0"/>
-              <a:t>10/12/2016</a:t>
+              <a:t>10/21/2016</a:t>
             </a:fld>
             <a:endParaRPr lang="en-US"/>
           </a:p>
@@ -1249,7 +1250,7 @@
           <a:p>
             <a:fld id="{3E4633B9-82B4-48D3-BFBD-B04B82FA1CC5}" type="datetimeFigureOut">
               <a:rPr lang="en-US" smtClean="0"/>
-              <a:t>10/12/2016</a:t>
+              <a:t>10/21/2016</a:t>
             </a:fld>
             <a:endParaRPr lang="en-US"/>
           </a:p>
@@ -1616,7 +1617,7 @@
           <a:p>
             <a:fld id="{3E4633B9-82B4-48D3-BFBD-B04B82FA1CC5}" type="datetimeFigureOut">
               <a:rPr lang="en-US" smtClean="0"/>
-              <a:t>10/12/2016</a:t>
+              <a:t>10/21/2016</a:t>
             </a:fld>
             <a:endParaRPr lang="en-US"/>
           </a:p>
@@ -1734,7 +1735,7 @@
           <a:p>
             <a:fld id="{3E4633B9-82B4-48D3-BFBD-B04B82FA1CC5}" type="datetimeFigureOut">
               <a:rPr lang="en-US" smtClean="0"/>
-              <a:t>10/12/2016</a:t>
+              <a:t>10/21/2016</a:t>
             </a:fld>
             <a:endParaRPr lang="en-US"/>
           </a:p>
@@ -1829,7 +1830,7 @@
           <a:p>
             <a:fld id="{3E4633B9-82B4-48D3-BFBD-B04B82FA1CC5}" type="datetimeFigureOut">
               <a:rPr lang="en-US" smtClean="0"/>
-              <a:t>10/12/2016</a:t>
+              <a:t>10/21/2016</a:t>
             </a:fld>
             <a:endParaRPr lang="en-US"/>
           </a:p>
@@ -2106,7 +2107,7 @@
           <a:p>
             <a:fld id="{3E4633B9-82B4-48D3-BFBD-B04B82FA1CC5}" type="datetimeFigureOut">
               <a:rPr lang="en-US" smtClean="0"/>
-              <a:t>10/12/2016</a:t>
+              <a:t>10/21/2016</a:t>
             </a:fld>
             <a:endParaRPr lang="en-US"/>
           </a:p>
@@ -2359,7 +2360,7 @@
           <a:p>
             <a:fld id="{3E4633B9-82B4-48D3-BFBD-B04B82FA1CC5}" type="datetimeFigureOut">
               <a:rPr lang="en-US" smtClean="0"/>
-              <a:t>10/12/2016</a:t>
+              <a:t>10/21/2016</a:t>
             </a:fld>
             <a:endParaRPr lang="en-US"/>
           </a:p>
@@ -2572,7 +2573,7 @@
           <a:p>
             <a:fld id="{3E4633B9-82B4-48D3-BFBD-B04B82FA1CC5}" type="datetimeFigureOut">
               <a:rPr lang="en-US" smtClean="0"/>
-              <a:t>10/12/2016</a:t>
+              <a:t>10/21/2016</a:t>
             </a:fld>
             <a:endParaRPr lang="en-US"/>
           </a:p>
@@ -3308,6 +3309,319 @@
 </p:sld>
 </file>
 
+<file path=ppt/slides/slide10.xml><?xml version="1.0" encoding="utf-8"?>
+<p:sld xmlns:a="http://schemas.openxmlformats.org/drawingml/2006/main" xmlns:r="http://schemas.openxmlformats.org/officeDocument/2006/relationships" xmlns:p="http://schemas.openxmlformats.org/presentationml/2006/main">
+  <p:cSld>
+    <p:spTree>
+      <p:nvGrpSpPr>
+        <p:cNvPr id="1" name=""/>
+        <p:cNvGrpSpPr/>
+        <p:nvPr/>
+      </p:nvGrpSpPr>
+      <p:grpSpPr>
+        <a:xfrm>
+          <a:off x="0" y="0"/>
+          <a:ext cx="0" cy="0"/>
+          <a:chOff x="0" y="0"/>
+          <a:chExt cx="0" cy="0"/>
+        </a:xfrm>
+      </p:grpSpPr>
+      <p:sp>
+        <p:nvSpPr>
+          <p:cNvPr id="2" name="Title 1"/>
+          <p:cNvSpPr>
+            <a:spLocks noGrp="1"/>
+          </p:cNvSpPr>
+          <p:nvPr>
+            <p:ph type="title"/>
+          </p:nvPr>
+        </p:nvSpPr>
+        <p:spPr/>
+        <p:txBody>
+          <a:bodyPr/>
+          <a:lstStyle/>
+          <a:p>
+            <a:endParaRPr lang="en-US"/>
+          </a:p>
+        </p:txBody>
+      </p:sp>
+      <p:pic>
+        <p:nvPicPr>
+          <p:cNvPr id="4" name="Content Placeholder 3" descr="L:\iwg\day1\stage1_output\missed_codes_C04\extracted_images\21_CAM_3671509273_20151014_000703_C04_5480_missed.JPG"/>
+          <p:cNvPicPr>
+            <a:picLocks noGrp="1"/>
+          </p:cNvPicPr>
+          <p:nvPr>
+            <p:ph idx="1"/>
+          </p:nvPr>
+        </p:nvPicPr>
+        <p:blipFill>
+          <a:blip r:embed="rId2">
+            <a:extLst>
+              <a:ext uri="{28A0092B-C50C-407E-A947-70E740481C1C}">
+                <a14:useLocalDpi xmlns:a14="http://schemas.microsoft.com/office/drawing/2010/main" val="0"/>
+              </a:ext>
+            </a:extLst>
+          </a:blip>
+          <a:srcRect/>
+          <a:stretch>
+            <a:fillRect/>
+          </a:stretch>
+        </p:blipFill>
+        <p:spPr bwMode="auto">
+          <a:xfrm>
+            <a:off x="1472463" y="2026616"/>
+            <a:ext cx="2526120" cy="2554287"/>
+          </a:xfrm>
+          <a:prstGeom prst="rect">
+            <a:avLst/>
+          </a:prstGeom>
+          <a:noFill/>
+          <a:ln>
+            <a:noFill/>
+          </a:ln>
+        </p:spPr>
+      </p:pic>
+      <p:pic>
+        <p:nvPicPr>
+          <p:cNvPr id="5" name="Picture 4" descr="L:\iwg\day1\stage1_output\missed_codes_C04\extracted_images\17_CAM_3671509273_20151013_235818_C04_4984_missed.JPG"/>
+          <p:cNvPicPr/>
+          <p:nvPr/>
+        </p:nvPicPr>
+        <p:blipFill>
+          <a:blip r:embed="rId3">
+            <a:extLst>
+              <a:ext uri="{28A0092B-C50C-407E-A947-70E740481C1C}">
+                <a14:useLocalDpi xmlns:a14="http://schemas.microsoft.com/office/drawing/2010/main" val="0"/>
+              </a:ext>
+            </a:extLst>
+          </a:blip>
+          <a:srcRect/>
+          <a:stretch>
+            <a:fillRect/>
+          </a:stretch>
+        </p:blipFill>
+        <p:spPr bwMode="auto">
+          <a:xfrm>
+            <a:off x="3998583" y="2026616"/>
+            <a:ext cx="2997200" cy="2554287"/>
+          </a:xfrm>
+          <a:prstGeom prst="rect">
+            <a:avLst/>
+          </a:prstGeom>
+          <a:noFill/>
+          <a:ln>
+            <a:noFill/>
+          </a:ln>
+        </p:spPr>
+      </p:pic>
+      <p:pic>
+        <p:nvPicPr>
+          <p:cNvPr id="6" name="Picture 5" descr="L:\iwg\day3\stage1_output\missed_codes_C01\extracted_images\8_CAM_0771708037_20151016_234022_C01_8217_missed.JPG"/>
+          <p:cNvPicPr/>
+          <p:nvPr/>
+        </p:nvPicPr>
+        <p:blipFill>
+          <a:blip r:embed="rId4">
+            <a:extLst>
+              <a:ext uri="{28A0092B-C50C-407E-A947-70E740481C1C}">
+                <a14:useLocalDpi xmlns:a14="http://schemas.microsoft.com/office/drawing/2010/main" val="0"/>
+              </a:ext>
+            </a:extLst>
+          </a:blip>
+          <a:srcRect/>
+          <a:stretch>
+            <a:fillRect/>
+          </a:stretch>
+        </p:blipFill>
+        <p:spPr bwMode="auto">
+          <a:xfrm>
+            <a:off x="6995783" y="2026616"/>
+            <a:ext cx="2752725" cy="2554287"/>
+          </a:xfrm>
+          <a:prstGeom prst="rect">
+            <a:avLst/>
+          </a:prstGeom>
+          <a:noFill/>
+          <a:ln>
+            <a:noFill/>
+          </a:ln>
+        </p:spPr>
+      </p:pic>
+      <p:pic>
+        <p:nvPicPr>
+          <p:cNvPr id="7" name="Picture 6" descr="L:\iwg\day1\stage1_output\missed_codes_C04\extracted_images\31_CAM_3671509273_20151014_004057_C04_5895_missed.JPG"/>
+          <p:cNvPicPr/>
+          <p:nvPr/>
+        </p:nvPicPr>
+        <p:blipFill rotWithShape="1">
+          <a:blip r:embed="rId5">
+            <a:extLst>
+              <a:ext uri="{28A0092B-C50C-407E-A947-70E740481C1C}">
+                <a14:useLocalDpi xmlns:a14="http://schemas.microsoft.com/office/drawing/2010/main" val="0"/>
+              </a:ext>
+            </a:extLst>
+          </a:blip>
+          <a:srcRect t="8276" b="242"/>
+          <a:stretch/>
+        </p:blipFill>
+        <p:spPr bwMode="auto">
+          <a:xfrm>
+            <a:off x="2465499" y="4453712"/>
+            <a:ext cx="2609850" cy="2405576"/>
+          </a:xfrm>
+          <a:prstGeom prst="rect">
+            <a:avLst/>
+          </a:prstGeom>
+          <a:noFill/>
+          <a:ln>
+            <a:noFill/>
+          </a:ln>
+        </p:spPr>
+      </p:pic>
+      <p:pic>
+        <p:nvPicPr>
+          <p:cNvPr id="8" name="Picture 7"/>
+          <p:cNvPicPr/>
+          <p:nvPr/>
+        </p:nvPicPr>
+        <p:blipFill>
+          <a:blip r:embed="rId6"/>
+          <a:stretch>
+            <a:fillRect/>
+          </a:stretch>
+        </p:blipFill>
+        <p:spPr>
+          <a:xfrm>
+            <a:off x="4991619" y="4562475"/>
+            <a:ext cx="3061335" cy="2295525"/>
+          </a:xfrm>
+          <a:prstGeom prst="rect">
+            <a:avLst/>
+          </a:prstGeom>
+        </p:spPr>
+      </p:pic>
+      <p:cxnSp>
+        <p:nvCxnSpPr>
+          <p:cNvPr id="9" name="Straight Arrow Connector 8"/>
+          <p:cNvCxnSpPr/>
+          <p:nvPr/>
+        </p:nvCxnSpPr>
+        <p:spPr>
+          <a:xfrm flipH="1" flipV="1">
+            <a:off x="2650952" y="3750184"/>
+            <a:ext cx="464688" cy="290326"/>
+          </a:xfrm>
+          <a:prstGeom prst="straightConnector1">
+            <a:avLst/>
+          </a:prstGeom>
+          <a:ln>
+            <a:solidFill>
+              <a:srgbClr val="FF0000"/>
+            </a:solidFill>
+            <a:tailEnd type="triangle"/>
+          </a:ln>
+        </p:spPr>
+        <p:style>
+          <a:lnRef idx="1">
+            <a:schemeClr val="accent1"/>
+          </a:lnRef>
+          <a:fillRef idx="0">
+            <a:schemeClr val="accent1"/>
+          </a:fillRef>
+          <a:effectRef idx="0">
+            <a:schemeClr val="accent1"/>
+          </a:effectRef>
+          <a:fontRef idx="minor">
+            <a:schemeClr val="tx1"/>
+          </a:fontRef>
+        </p:style>
+      </p:cxnSp>
+      <p:cxnSp>
+        <p:nvCxnSpPr>
+          <p:cNvPr id="11" name="Straight Arrow Connector 10"/>
+          <p:cNvCxnSpPr/>
+          <p:nvPr/>
+        </p:nvCxnSpPr>
+        <p:spPr>
+          <a:xfrm>
+            <a:off x="3071185" y="4687355"/>
+            <a:ext cx="627017" cy="200297"/>
+          </a:xfrm>
+          <a:prstGeom prst="straightConnector1">
+            <a:avLst/>
+          </a:prstGeom>
+          <a:ln>
+            <a:solidFill>
+              <a:srgbClr val="FF0000"/>
+            </a:solidFill>
+            <a:tailEnd type="triangle"/>
+          </a:ln>
+        </p:spPr>
+        <p:style>
+          <a:lnRef idx="1">
+            <a:schemeClr val="accent1"/>
+          </a:lnRef>
+          <a:fillRef idx="0">
+            <a:schemeClr val="accent1"/>
+          </a:fillRef>
+          <a:effectRef idx="0">
+            <a:schemeClr val="accent1"/>
+          </a:effectRef>
+          <a:fontRef idx="minor">
+            <a:schemeClr val="tx1"/>
+          </a:fontRef>
+        </p:style>
+      </p:cxnSp>
+      <p:cxnSp>
+        <p:nvCxnSpPr>
+          <p:cNvPr id="12" name="Straight Arrow Connector 11"/>
+          <p:cNvCxnSpPr/>
+          <p:nvPr/>
+        </p:nvCxnSpPr>
+        <p:spPr>
+          <a:xfrm>
+            <a:off x="8528867" y="2627291"/>
+            <a:ext cx="30357" cy="353610"/>
+          </a:xfrm>
+          <a:prstGeom prst="straightConnector1">
+            <a:avLst/>
+          </a:prstGeom>
+          <a:ln>
+            <a:solidFill>
+              <a:srgbClr val="FF0000"/>
+            </a:solidFill>
+            <a:tailEnd type="triangle"/>
+          </a:ln>
+        </p:spPr>
+        <p:style>
+          <a:lnRef idx="1">
+            <a:schemeClr val="accent1"/>
+          </a:lnRef>
+          <a:fillRef idx="0">
+            <a:schemeClr val="accent1"/>
+          </a:fillRef>
+          <a:effectRef idx="0">
+            <a:schemeClr val="accent1"/>
+          </a:effectRef>
+          <a:fontRef idx="minor">
+            <a:schemeClr val="tx1"/>
+          </a:fontRef>
+        </p:style>
+      </p:cxnSp>
+    </p:spTree>
+    <p:extLst>
+      <p:ext uri="{BB962C8B-B14F-4D97-AF65-F5344CB8AC3E}">
+        <p14:creationId xmlns:p14="http://schemas.microsoft.com/office/powerpoint/2010/main" val="987594472"/>
+      </p:ext>
+    </p:extLst>
+  </p:cSld>
+  <p:clrMapOvr>
+    <a:masterClrMapping/>
+  </p:clrMapOvr>
+</p:sld>
+</file>
+
 <file path=ppt/slides/slide2.xml><?xml version="1.0" encoding="utf-8"?>
 <p:sld xmlns:a="http://schemas.openxmlformats.org/drawingml/2006/main" xmlns:r="http://schemas.openxmlformats.org/officeDocument/2006/relationships" xmlns:p="http://schemas.openxmlformats.org/presentationml/2006/main">
   <p:cSld>
@@ -16350,8 +16664,8 @@
           </a:p>
         </p:txBody>
       </p:sp>
-      <mc:AlternateContent xmlns:mc="http://schemas.openxmlformats.org/markup-compatibility/2006">
-        <mc:Choice xmlns:a14="http://schemas.microsoft.com/office/drawing/2010/main" Requires="a14">
+      <mc:AlternateContent xmlns:mc="http://schemas.openxmlformats.org/markup-compatibility/2006" xmlns:a14="http://schemas.microsoft.com/office/drawing/2010/main">
+        <mc:Choice Requires="a14">
           <p:sp>
             <p:nvSpPr>
               <p:cNvPr id="35" name="TextBox 34"/>
@@ -16416,7 +16730,7 @@
             </p:txBody>
           </p:sp>
         </mc:Choice>
-        <mc:Fallback>
+        <mc:Fallback xmlns="">
           <p:sp>
             <p:nvSpPr>
               <p:cNvPr id="35" name="TextBox 34"/>
@@ -16455,8 +16769,8 @@
           </p:sp>
         </mc:Fallback>
       </mc:AlternateContent>
-      <mc:AlternateContent xmlns:mc="http://schemas.openxmlformats.org/markup-compatibility/2006">
-        <mc:Choice xmlns:a14="http://schemas.microsoft.com/office/drawing/2010/main" Requires="a14">
+      <mc:AlternateContent xmlns:mc="http://schemas.openxmlformats.org/markup-compatibility/2006" xmlns:a14="http://schemas.microsoft.com/office/drawing/2010/main">
+        <mc:Choice Requires="a14">
           <p:sp>
             <p:nvSpPr>
               <p:cNvPr id="36" name="TextBox 35"/>
@@ -16521,7 +16835,7 @@
             </p:txBody>
           </p:sp>
         </mc:Choice>
-        <mc:Fallback>
+        <mc:Fallback xmlns="">
           <p:sp>
             <p:nvSpPr>
               <p:cNvPr id="36" name="TextBox 35"/>
@@ -16866,8 +17180,8 @@
           </a:p>
         </p:txBody>
       </p:sp>
-      <mc:AlternateContent xmlns:mc="http://schemas.openxmlformats.org/markup-compatibility/2006">
-        <mc:Choice xmlns:a14="http://schemas.microsoft.com/office/drawing/2010/main" Requires="a14">
+      <mc:AlternateContent xmlns:mc="http://schemas.openxmlformats.org/markup-compatibility/2006" xmlns:a14="http://schemas.microsoft.com/office/drawing/2010/main">
+        <mc:Choice Requires="a14">
           <p:sp>
             <p:nvSpPr>
               <p:cNvPr id="51" name="TextBox 50"/>
@@ -16913,7 +17227,7 @@
             </p:txBody>
           </p:sp>
         </mc:Choice>
-        <mc:Fallback>
+        <mc:Fallback xmlns="">
           <p:sp>
             <p:nvSpPr>
               <p:cNvPr id="51" name="TextBox 50"/>
@@ -17153,8 +17467,8 @@
           </a:fontRef>
         </p:style>
       </p:cxnSp>
-      <mc:AlternateContent xmlns:mc="http://schemas.openxmlformats.org/markup-compatibility/2006">
-        <mc:Choice xmlns:a14="http://schemas.microsoft.com/office/drawing/2010/main" Requires="a14">
+      <mc:AlternateContent xmlns:mc="http://schemas.openxmlformats.org/markup-compatibility/2006" xmlns:a14="http://schemas.microsoft.com/office/drawing/2010/main">
+        <mc:Choice Requires="a14">
           <p:sp>
             <p:nvSpPr>
               <p:cNvPr id="65" name="TextBox 64"/>
@@ -17200,7 +17514,7 @@
             </p:txBody>
           </p:sp>
         </mc:Choice>
-        <mc:Fallback>
+        <mc:Fallback xmlns="">
           <p:sp>
             <p:nvSpPr>
               <p:cNvPr id="65" name="TextBox 64"/>
@@ -17840,8 +18154,8 @@
           </a:p>
         </p:txBody>
       </p:sp>
-      <mc:AlternateContent xmlns:mc="http://schemas.openxmlformats.org/markup-compatibility/2006">
-        <mc:Choice xmlns:a14="http://schemas.microsoft.com/office/drawing/2010/main" Requires="a14">
+      <mc:AlternateContent xmlns:mc="http://schemas.openxmlformats.org/markup-compatibility/2006" xmlns:a14="http://schemas.microsoft.com/office/drawing/2010/main">
+        <mc:Choice Requires="a14">
           <p:sp>
             <p:nvSpPr>
               <p:cNvPr id="85" name="TextBox 84"/>
@@ -17883,7 +18197,7 @@
             </p:txBody>
           </p:sp>
         </mc:Choice>
-        <mc:Fallback>
+        <mc:Fallback xmlns="">
           <p:sp>
             <p:nvSpPr>
               <p:cNvPr id="85" name="TextBox 84"/>
@@ -18228,8 +18542,8 @@
           </a:p>
         </p:txBody>
       </p:sp>
-      <mc:AlternateContent xmlns:mc="http://schemas.openxmlformats.org/markup-compatibility/2006">
-        <mc:Choice xmlns:a14="http://schemas.microsoft.com/office/drawing/2010/main" Requires="a14">
+      <mc:AlternateContent xmlns:mc="http://schemas.openxmlformats.org/markup-compatibility/2006" xmlns:a14="http://schemas.microsoft.com/office/drawing/2010/main">
+        <mc:Choice Requires="a14">
           <p:sp>
             <p:nvSpPr>
               <p:cNvPr id="95" name="TextBox 94"/>
@@ -18271,7 +18585,7 @@
             </p:txBody>
           </p:sp>
         </mc:Choice>
-        <mc:Fallback>
+        <mc:Fallback xmlns="">
           <p:sp>
             <p:nvSpPr>
               <p:cNvPr id="95" name="TextBox 94"/>
@@ -18631,8 +18945,8 @@
           </a:p>
         </p:txBody>
       </p:sp>
-      <mc:AlternateContent xmlns:mc="http://schemas.openxmlformats.org/markup-compatibility/2006">
-        <mc:Choice xmlns:a14="http://schemas.microsoft.com/office/drawing/2010/main" Requires="a14">
+      <mc:AlternateContent xmlns:mc="http://schemas.openxmlformats.org/markup-compatibility/2006" xmlns:a14="http://schemas.microsoft.com/office/drawing/2010/main">
+        <mc:Choice Requires="a14">
           <p:sp>
             <p:nvSpPr>
               <p:cNvPr id="107" name="TextBox 106"/>
@@ -18674,7 +18988,7 @@
             </p:txBody>
           </p:sp>
         </mc:Choice>
-        <mc:Fallback>
+        <mc:Fallback xmlns="">
           <p:sp>
             <p:nvSpPr>
               <p:cNvPr id="107" name="TextBox 106"/>
@@ -18713,8 +19027,8 @@
           </p:sp>
         </mc:Fallback>
       </mc:AlternateContent>
-      <mc:AlternateContent xmlns:mc="http://schemas.openxmlformats.org/markup-compatibility/2006">
-        <mc:Choice xmlns:a14="http://schemas.microsoft.com/office/drawing/2010/main" Requires="a14">
+      <mc:AlternateContent xmlns:mc="http://schemas.openxmlformats.org/markup-compatibility/2006" xmlns:a14="http://schemas.microsoft.com/office/drawing/2010/main">
+        <mc:Choice Requires="a14">
           <p:sp>
             <p:nvSpPr>
               <p:cNvPr id="108" name="TextBox 107"/>
@@ -18756,7 +19070,7 @@
             </p:txBody>
           </p:sp>
         </mc:Choice>
-        <mc:Fallback>
+        <mc:Fallback xmlns="">
           <p:sp>
             <p:nvSpPr>
               <p:cNvPr id="108" name="TextBox 107"/>
